--- a/FRCNN FIGURE.pptx
+++ b/FRCNN FIGURE.pptx
@@ -104,6 +104,11 @@
       </a:defRPr>
     </a:lvl9pPr>
   </p:defaultTextStyle>
+  <p:extLst>
+    <p:ext uri="{EFAFB233-063F-42B5-8137-9DF3F51BA10A}">
+      <p15:sldGuideLst xmlns:p15="http://schemas.microsoft.com/office/powerpoint/2012/main"/>
+    </p:ext>
+  </p:extLst>
 </p:presentation>
 </file>
 
@@ -254,7 +259,7 @@
           <a:p>
             <a:fld id="{0B1A961C-DF84-48CB-9BE5-652FD1F9B5E4}" type="datetimeFigureOut">
               <a:rPr lang="en-US" smtClean="0"/>
-              <a:t>5/1/2019</a:t>
+              <a:t>5/18/2019</a:t>
             </a:fld>
             <a:endParaRPr lang="en-US"/>
           </a:p>
@@ -452,7 +457,7 @@
           <a:p>
             <a:fld id="{0B1A961C-DF84-48CB-9BE5-652FD1F9B5E4}" type="datetimeFigureOut">
               <a:rPr lang="en-US" smtClean="0"/>
-              <a:t>5/1/2019</a:t>
+              <a:t>5/18/2019</a:t>
             </a:fld>
             <a:endParaRPr lang="en-US"/>
           </a:p>
@@ -660,7 +665,7 @@
           <a:p>
             <a:fld id="{0B1A961C-DF84-48CB-9BE5-652FD1F9B5E4}" type="datetimeFigureOut">
               <a:rPr lang="en-US" smtClean="0"/>
-              <a:t>5/1/2019</a:t>
+              <a:t>5/18/2019</a:t>
             </a:fld>
             <a:endParaRPr lang="en-US"/>
           </a:p>
@@ -858,7 +863,7 @@
           <a:p>
             <a:fld id="{0B1A961C-DF84-48CB-9BE5-652FD1F9B5E4}" type="datetimeFigureOut">
               <a:rPr lang="en-US" smtClean="0"/>
-              <a:t>5/1/2019</a:t>
+              <a:t>5/18/2019</a:t>
             </a:fld>
             <a:endParaRPr lang="en-US"/>
           </a:p>
@@ -1133,7 +1138,7 @@
           <a:p>
             <a:fld id="{0B1A961C-DF84-48CB-9BE5-652FD1F9B5E4}" type="datetimeFigureOut">
               <a:rPr lang="en-US" smtClean="0"/>
-              <a:t>5/1/2019</a:t>
+              <a:t>5/18/2019</a:t>
             </a:fld>
             <a:endParaRPr lang="en-US"/>
           </a:p>
@@ -1398,7 +1403,7 @@
           <a:p>
             <a:fld id="{0B1A961C-DF84-48CB-9BE5-652FD1F9B5E4}" type="datetimeFigureOut">
               <a:rPr lang="en-US" smtClean="0"/>
-              <a:t>5/1/2019</a:t>
+              <a:t>5/18/2019</a:t>
             </a:fld>
             <a:endParaRPr lang="en-US"/>
           </a:p>
@@ -1810,7 +1815,7 @@
           <a:p>
             <a:fld id="{0B1A961C-DF84-48CB-9BE5-652FD1F9B5E4}" type="datetimeFigureOut">
               <a:rPr lang="en-US" smtClean="0"/>
-              <a:t>5/1/2019</a:t>
+              <a:t>5/18/2019</a:t>
             </a:fld>
             <a:endParaRPr lang="en-US"/>
           </a:p>
@@ -1951,7 +1956,7 @@
           <a:p>
             <a:fld id="{0B1A961C-DF84-48CB-9BE5-652FD1F9B5E4}" type="datetimeFigureOut">
               <a:rPr lang="en-US" smtClean="0"/>
-              <a:t>5/1/2019</a:t>
+              <a:t>5/18/2019</a:t>
             </a:fld>
             <a:endParaRPr lang="en-US"/>
           </a:p>
@@ -2064,7 +2069,7 @@
           <a:p>
             <a:fld id="{0B1A961C-DF84-48CB-9BE5-652FD1F9B5E4}" type="datetimeFigureOut">
               <a:rPr lang="en-US" smtClean="0"/>
-              <a:t>5/1/2019</a:t>
+              <a:t>5/18/2019</a:t>
             </a:fld>
             <a:endParaRPr lang="en-US"/>
           </a:p>
@@ -2375,7 +2380,7 @@
           <a:p>
             <a:fld id="{0B1A961C-DF84-48CB-9BE5-652FD1F9B5E4}" type="datetimeFigureOut">
               <a:rPr lang="en-US" smtClean="0"/>
-              <a:t>5/1/2019</a:t>
+              <a:t>5/18/2019</a:t>
             </a:fld>
             <a:endParaRPr lang="en-US"/>
           </a:p>
@@ -2663,7 +2668,7 @@
           <a:p>
             <a:fld id="{0B1A961C-DF84-48CB-9BE5-652FD1F9B5E4}" type="datetimeFigureOut">
               <a:rPr lang="en-US" smtClean="0"/>
-              <a:t>5/1/2019</a:t>
+              <a:t>5/18/2019</a:t>
             </a:fld>
             <a:endParaRPr lang="en-US"/>
           </a:p>
@@ -2904,7 +2909,7 @@
           <a:p>
             <a:fld id="{0B1A961C-DF84-48CB-9BE5-652FD1F9B5E4}" type="datetimeFigureOut">
               <a:rPr lang="en-US" smtClean="0"/>
-              <a:t>5/1/2019</a:t>
+              <a:t>5/18/2019</a:t>
             </a:fld>
             <a:endParaRPr lang="en-US"/>
           </a:p>
@@ -3801,7 +3806,7 @@
           <a:noFill/>
         </p:spPr>
         <p:txBody>
-          <a:bodyPr wrap="none" lIns="91440" tIns="45720" rIns="91440" bIns="45720">
+          <a:bodyPr wrap="square" lIns="91440" tIns="45720" rIns="91440" bIns="45720">
             <a:spAutoFit/>
           </a:bodyPr>
           <a:lstStyle/>
@@ -3849,7 +3854,7 @@
           <a:noFill/>
         </p:spPr>
         <p:txBody>
-          <a:bodyPr wrap="none" lIns="91440" tIns="45720" rIns="91440" bIns="45720">
+          <a:bodyPr wrap="square" lIns="91440" tIns="45720" rIns="91440" bIns="45720">
             <a:spAutoFit/>
           </a:bodyPr>
           <a:lstStyle/>
@@ -3913,7 +3918,7 @@
           <a:noFill/>
         </p:spPr>
         <p:txBody>
-          <a:bodyPr wrap="none" lIns="91440" tIns="45720" rIns="91440" bIns="45720">
+          <a:bodyPr wrap="square" lIns="91440" tIns="45720" rIns="91440" bIns="45720">
             <a:spAutoFit/>
           </a:bodyPr>
           <a:lstStyle/>
@@ -3961,7 +3966,7 @@
           <a:noFill/>
         </p:spPr>
         <p:txBody>
-          <a:bodyPr wrap="none" lIns="91440" tIns="45720" rIns="91440" bIns="45720">
+          <a:bodyPr wrap="square" lIns="91440" tIns="45720" rIns="91440" bIns="45720">
             <a:spAutoFit/>
           </a:bodyPr>
           <a:lstStyle/>
@@ -4031,7 +4036,7 @@
         </p:nvSpPr>
         <p:spPr>
           <a:xfrm>
-            <a:off x="6518989" y="-972609"/>
+            <a:off x="5128688" y="-1390514"/>
             <a:ext cx="2531783" cy="400110"/>
           </a:xfrm>
           <a:prstGeom prst="rect">
@@ -4040,7 +4045,7 @@
           <a:noFill/>
         </p:spPr>
         <p:txBody>
-          <a:bodyPr wrap="none" lIns="91440" tIns="45720" rIns="91440" bIns="45720">
+          <a:bodyPr wrap="square" lIns="91440" tIns="45720" rIns="91440" bIns="45720">
             <a:spAutoFit/>
           </a:bodyPr>
           <a:lstStyle/>
@@ -4061,6 +4066,394 @@
                 </a:effectLst>
               </a:rPr>
               <a:t>Classification network</a:t>
+            </a:r>
+          </a:p>
+        </p:txBody>
+      </p:sp>
+      <p:sp>
+        <p:nvSpPr>
+          <p:cNvPr id="22" name="Arrow: Up 21">
+            <a:extLst>
+              <a:ext uri="{FF2B5EF4-FFF2-40B4-BE49-F238E27FC236}">
+                <a16:creationId xmlns:a16="http://schemas.microsoft.com/office/drawing/2014/main" id="{081E2A5E-AC87-44F9-96E7-5C0B65498891}"/>
+              </a:ext>
+            </a:extLst>
+          </p:cNvPr>
+          <p:cNvSpPr/>
+          <p:nvPr/>
+        </p:nvSpPr>
+        <p:spPr>
+          <a:xfrm rot="19782989">
+            <a:off x="896854" y="1100320"/>
+            <a:ext cx="288403" cy="651331"/>
+          </a:xfrm>
+          <a:prstGeom prst="upArrow">
+            <a:avLst>
+              <a:gd name="adj1" fmla="val 50000"/>
+              <a:gd name="adj2" fmla="val 64599"/>
+            </a:avLst>
+          </a:prstGeom>
+        </p:spPr>
+        <p:style>
+          <a:lnRef idx="2">
+            <a:schemeClr val="accent1">
+              <a:shade val="50000"/>
+            </a:schemeClr>
+          </a:lnRef>
+          <a:fillRef idx="1">
+            <a:schemeClr val="accent1"/>
+          </a:fillRef>
+          <a:effectRef idx="0">
+            <a:schemeClr val="accent1"/>
+          </a:effectRef>
+          <a:fontRef idx="minor">
+            <a:schemeClr val="lt1"/>
+          </a:fontRef>
+        </p:style>
+        <p:txBody>
+          <a:bodyPr rtlCol="0" anchor="ctr"/>
+          <a:lstStyle/>
+          <a:p>
+            <a:pPr algn="ctr"/>
+            <a:endParaRPr lang="en-US"/>
+          </a:p>
+        </p:txBody>
+      </p:sp>
+      <p:sp>
+        <p:nvSpPr>
+          <p:cNvPr id="27" name="Rectangle 26">
+            <a:extLst>
+              <a:ext uri="{FF2B5EF4-FFF2-40B4-BE49-F238E27FC236}">
+                <a16:creationId xmlns:a16="http://schemas.microsoft.com/office/drawing/2014/main" id="{9031D62C-E4A1-4147-9505-4D1F59C4642F}"/>
+              </a:ext>
+            </a:extLst>
+          </p:cNvPr>
+          <p:cNvSpPr/>
+          <p:nvPr/>
+        </p:nvSpPr>
+        <p:spPr>
+          <a:xfrm>
+            <a:off x="-43215" y="456302"/>
+            <a:ext cx="1591039" cy="707886"/>
+          </a:xfrm>
+          <a:prstGeom prst="rect">
+            <a:avLst/>
+          </a:prstGeom>
+          <a:noFill/>
+        </p:spPr>
+        <p:txBody>
+          <a:bodyPr wrap="square" lIns="91440" tIns="45720" rIns="91440" bIns="45720">
+            <a:spAutoFit/>
+          </a:bodyPr>
+          <a:lstStyle/>
+          <a:p>
+            <a:pPr algn="ctr"/>
+            <a:r>
+              <a:rPr lang="en-US" sz="2000" b="0" cap="none" spc="0" dirty="0">
+                <a:ln w="0"/>
+                <a:solidFill>
+                  <a:schemeClr val="tx1"/>
+                </a:solidFill>
+                <a:effectLst>
+                  <a:outerShdw blurRad="38100" dist="19050" dir="2700000" algn="tl" rotWithShape="0">
+                    <a:schemeClr val="dk1">
+                      <a:alpha val="40000"/>
+                    </a:schemeClr>
+                  </a:outerShdw>
+                </a:effectLst>
+              </a:rPr>
+              <a:t>Classification loss</a:t>
+            </a:r>
+          </a:p>
+        </p:txBody>
+      </p:sp>
+      <p:sp>
+        <p:nvSpPr>
+          <p:cNvPr id="28" name="Arrow: Up 27">
+            <a:extLst>
+              <a:ext uri="{FF2B5EF4-FFF2-40B4-BE49-F238E27FC236}">
+                <a16:creationId xmlns:a16="http://schemas.microsoft.com/office/drawing/2014/main" id="{9CF4052D-78C4-480B-B4D3-D69FF7CF8E5B}"/>
+              </a:ext>
+            </a:extLst>
+          </p:cNvPr>
+          <p:cNvSpPr/>
+          <p:nvPr/>
+        </p:nvSpPr>
+        <p:spPr>
+          <a:xfrm>
+            <a:off x="2070096" y="968540"/>
+            <a:ext cx="288403" cy="651331"/>
+          </a:xfrm>
+          <a:prstGeom prst="upArrow">
+            <a:avLst>
+              <a:gd name="adj1" fmla="val 50000"/>
+              <a:gd name="adj2" fmla="val 64599"/>
+            </a:avLst>
+          </a:prstGeom>
+        </p:spPr>
+        <p:style>
+          <a:lnRef idx="2">
+            <a:schemeClr val="accent1">
+              <a:shade val="50000"/>
+            </a:schemeClr>
+          </a:lnRef>
+          <a:fillRef idx="1">
+            <a:schemeClr val="accent1"/>
+          </a:fillRef>
+          <a:effectRef idx="0">
+            <a:schemeClr val="accent1"/>
+          </a:effectRef>
+          <a:fontRef idx="minor">
+            <a:schemeClr val="lt1"/>
+          </a:fontRef>
+        </p:style>
+        <p:txBody>
+          <a:bodyPr rtlCol="0" anchor="ctr"/>
+          <a:lstStyle/>
+          <a:p>
+            <a:pPr algn="ctr"/>
+            <a:endParaRPr lang="en-US"/>
+          </a:p>
+        </p:txBody>
+      </p:sp>
+      <p:sp>
+        <p:nvSpPr>
+          <p:cNvPr id="29" name="Rectangle 28">
+            <a:extLst>
+              <a:ext uri="{FF2B5EF4-FFF2-40B4-BE49-F238E27FC236}">
+                <a16:creationId xmlns:a16="http://schemas.microsoft.com/office/drawing/2014/main" id="{C5228946-0E67-4571-A573-4C4E861158C8}"/>
+              </a:ext>
+            </a:extLst>
+          </p:cNvPr>
+          <p:cNvSpPr/>
+          <p:nvPr/>
+        </p:nvSpPr>
+        <p:spPr>
+          <a:xfrm>
+            <a:off x="1461343" y="230184"/>
+            <a:ext cx="1706351" cy="707886"/>
+          </a:xfrm>
+          <a:prstGeom prst="rect">
+            <a:avLst/>
+          </a:prstGeom>
+          <a:noFill/>
+        </p:spPr>
+        <p:txBody>
+          <a:bodyPr wrap="square" lIns="91440" tIns="45720" rIns="91440" bIns="45720">
+            <a:spAutoFit/>
+          </a:bodyPr>
+          <a:lstStyle/>
+          <a:p>
+            <a:pPr algn="ctr"/>
+            <a:r>
+              <a:rPr lang="en-US" sz="2000" b="0" cap="none" spc="0" dirty="0">
+                <a:ln w="0"/>
+                <a:solidFill>
+                  <a:schemeClr val="tx1"/>
+                </a:solidFill>
+                <a:effectLst>
+                  <a:outerShdw blurRad="38100" dist="19050" dir="2700000" algn="tl" rotWithShape="0">
+                    <a:schemeClr val="dk1">
+                      <a:alpha val="40000"/>
+                    </a:schemeClr>
+                  </a:outerShdw>
+                </a:effectLst>
+              </a:rPr>
+              <a:t>Bounding box regression loss</a:t>
+            </a:r>
+          </a:p>
+        </p:txBody>
+      </p:sp>
+      <p:sp>
+        <p:nvSpPr>
+          <p:cNvPr id="30" name="Arrow: Up 29">
+            <a:extLst>
+              <a:ext uri="{FF2B5EF4-FFF2-40B4-BE49-F238E27FC236}">
+                <a16:creationId xmlns:a16="http://schemas.microsoft.com/office/drawing/2014/main" id="{9DD87E2F-A7DE-4DFB-82CE-346F3C5B61C4}"/>
+              </a:ext>
+            </a:extLst>
+          </p:cNvPr>
+          <p:cNvSpPr/>
+          <p:nvPr/>
+        </p:nvSpPr>
+        <p:spPr>
+          <a:xfrm rot="19782989">
+            <a:off x="5541114" y="-2073250"/>
+            <a:ext cx="288403" cy="651331"/>
+          </a:xfrm>
+          <a:prstGeom prst="upArrow">
+            <a:avLst>
+              <a:gd name="adj1" fmla="val 50000"/>
+              <a:gd name="adj2" fmla="val 64599"/>
+            </a:avLst>
+          </a:prstGeom>
+        </p:spPr>
+        <p:style>
+          <a:lnRef idx="2">
+            <a:schemeClr val="accent1">
+              <a:shade val="50000"/>
+            </a:schemeClr>
+          </a:lnRef>
+          <a:fillRef idx="1">
+            <a:schemeClr val="accent1"/>
+          </a:fillRef>
+          <a:effectRef idx="0">
+            <a:schemeClr val="accent1"/>
+          </a:effectRef>
+          <a:fontRef idx="minor">
+            <a:schemeClr val="lt1"/>
+          </a:fontRef>
+        </p:style>
+        <p:txBody>
+          <a:bodyPr rtlCol="0" anchor="ctr"/>
+          <a:lstStyle/>
+          <a:p>
+            <a:pPr algn="ctr"/>
+            <a:endParaRPr lang="en-US"/>
+          </a:p>
+        </p:txBody>
+      </p:sp>
+      <p:sp>
+        <p:nvSpPr>
+          <p:cNvPr id="31" name="Rectangle 30">
+            <a:extLst>
+              <a:ext uri="{FF2B5EF4-FFF2-40B4-BE49-F238E27FC236}">
+                <a16:creationId xmlns:a16="http://schemas.microsoft.com/office/drawing/2014/main" id="{E99B0CFD-61EC-4D9A-917E-504DDF6A22E5}"/>
+              </a:ext>
+            </a:extLst>
+          </p:cNvPr>
+          <p:cNvSpPr/>
+          <p:nvPr/>
+        </p:nvSpPr>
+        <p:spPr>
+          <a:xfrm>
+            <a:off x="4601045" y="-2717268"/>
+            <a:ext cx="1591039" cy="707886"/>
+          </a:xfrm>
+          <a:prstGeom prst="rect">
+            <a:avLst/>
+          </a:prstGeom>
+          <a:noFill/>
+        </p:spPr>
+        <p:txBody>
+          <a:bodyPr wrap="square" lIns="91440" tIns="45720" rIns="91440" bIns="45720">
+            <a:spAutoFit/>
+          </a:bodyPr>
+          <a:lstStyle/>
+          <a:p>
+            <a:pPr algn="ctr"/>
+            <a:r>
+              <a:rPr lang="en-US" sz="2000" b="0" cap="none" spc="0" dirty="0">
+                <a:ln w="0"/>
+                <a:solidFill>
+                  <a:schemeClr val="tx1"/>
+                </a:solidFill>
+                <a:effectLst>
+                  <a:outerShdw blurRad="38100" dist="19050" dir="2700000" algn="tl" rotWithShape="0">
+                    <a:schemeClr val="dk1">
+                      <a:alpha val="40000"/>
+                    </a:schemeClr>
+                  </a:outerShdw>
+                </a:effectLst>
+              </a:rPr>
+              <a:t>Classification loss</a:t>
+            </a:r>
+          </a:p>
+        </p:txBody>
+      </p:sp>
+      <p:sp>
+        <p:nvSpPr>
+          <p:cNvPr id="32" name="Arrow: Up 31">
+            <a:extLst>
+              <a:ext uri="{FF2B5EF4-FFF2-40B4-BE49-F238E27FC236}">
+                <a16:creationId xmlns:a16="http://schemas.microsoft.com/office/drawing/2014/main" id="{32390AF8-0E4D-46C0-B5FE-56A93859814C}"/>
+              </a:ext>
+            </a:extLst>
+          </p:cNvPr>
+          <p:cNvSpPr/>
+          <p:nvPr/>
+        </p:nvSpPr>
+        <p:spPr>
+          <a:xfrm>
+            <a:off x="6714356" y="-2205030"/>
+            <a:ext cx="288403" cy="651331"/>
+          </a:xfrm>
+          <a:prstGeom prst="upArrow">
+            <a:avLst>
+              <a:gd name="adj1" fmla="val 50000"/>
+              <a:gd name="adj2" fmla="val 64599"/>
+            </a:avLst>
+          </a:prstGeom>
+        </p:spPr>
+        <p:style>
+          <a:lnRef idx="2">
+            <a:schemeClr val="accent1">
+              <a:shade val="50000"/>
+            </a:schemeClr>
+          </a:lnRef>
+          <a:fillRef idx="1">
+            <a:schemeClr val="accent1"/>
+          </a:fillRef>
+          <a:effectRef idx="0">
+            <a:schemeClr val="accent1"/>
+          </a:effectRef>
+          <a:fontRef idx="minor">
+            <a:schemeClr val="lt1"/>
+          </a:fontRef>
+        </p:style>
+        <p:txBody>
+          <a:bodyPr rtlCol="0" anchor="ctr"/>
+          <a:lstStyle/>
+          <a:p>
+            <a:pPr algn="ctr"/>
+            <a:endParaRPr lang="en-US"/>
+          </a:p>
+        </p:txBody>
+      </p:sp>
+      <p:sp>
+        <p:nvSpPr>
+          <p:cNvPr id="33" name="Rectangle 32">
+            <a:extLst>
+              <a:ext uri="{FF2B5EF4-FFF2-40B4-BE49-F238E27FC236}">
+                <a16:creationId xmlns:a16="http://schemas.microsoft.com/office/drawing/2014/main" id="{7B40C420-3C04-4843-84BA-19AE018B9A6D}"/>
+              </a:ext>
+            </a:extLst>
+          </p:cNvPr>
+          <p:cNvSpPr/>
+          <p:nvPr/>
+        </p:nvSpPr>
+        <p:spPr>
+          <a:xfrm>
+            <a:off x="6105603" y="-2943386"/>
+            <a:ext cx="1706351" cy="707886"/>
+          </a:xfrm>
+          <a:prstGeom prst="rect">
+            <a:avLst/>
+          </a:prstGeom>
+          <a:noFill/>
+        </p:spPr>
+        <p:txBody>
+          <a:bodyPr wrap="square" lIns="91440" tIns="45720" rIns="91440" bIns="45720">
+            <a:spAutoFit/>
+          </a:bodyPr>
+          <a:lstStyle/>
+          <a:p>
+            <a:pPr algn="ctr"/>
+            <a:r>
+              <a:rPr lang="en-US" sz="2000" b="0" cap="none" spc="0" dirty="0">
+                <a:ln w="0"/>
+                <a:solidFill>
+                  <a:schemeClr val="tx1"/>
+                </a:solidFill>
+                <a:effectLst>
+                  <a:outerShdw blurRad="38100" dist="19050" dir="2700000" algn="tl" rotWithShape="0">
+                    <a:schemeClr val="dk1">
+                      <a:alpha val="40000"/>
+                    </a:schemeClr>
+                  </a:outerShdw>
+                </a:effectLst>
+              </a:rPr>
+              <a:t>Bounding box regression loss</a:t>
             </a:r>
           </a:p>
         </p:txBody>
